--- a/Apresentações/Análise de tendência.pptx
+++ b/Apresentações/Análise de tendência.pptx
@@ -5,26 +5,25 @@
     <p:sldMasterId id="2147483648" r:id="rId1"/>
   </p:sldMasterIdLst>
   <p:notesMasterIdLst>
-    <p:notesMasterId r:id="rId16"/>
+    <p:notesMasterId r:id="rId15"/>
   </p:notesMasterIdLst>
   <p:handoutMasterIdLst>
-    <p:handoutMasterId r:id="rId17"/>
+    <p:handoutMasterId r:id="rId16"/>
   </p:handoutMasterIdLst>
   <p:sldIdLst>
     <p:sldId id="318" r:id="rId2"/>
     <p:sldId id="319" r:id="rId3"/>
-    <p:sldId id="326" r:id="rId4"/>
-    <p:sldId id="327" r:id="rId5"/>
-    <p:sldId id="328" r:id="rId6"/>
-    <p:sldId id="337" r:id="rId7"/>
-    <p:sldId id="329" r:id="rId8"/>
-    <p:sldId id="330" r:id="rId9"/>
-    <p:sldId id="331" r:id="rId10"/>
-    <p:sldId id="333" r:id="rId11"/>
-    <p:sldId id="339" r:id="rId12"/>
-    <p:sldId id="332" r:id="rId13"/>
-    <p:sldId id="340" r:id="rId14"/>
-    <p:sldId id="342" r:id="rId15"/>
+    <p:sldId id="343" r:id="rId4"/>
+    <p:sldId id="328" r:id="rId5"/>
+    <p:sldId id="337" r:id="rId6"/>
+    <p:sldId id="329" r:id="rId7"/>
+    <p:sldId id="330" r:id="rId8"/>
+    <p:sldId id="331" r:id="rId9"/>
+    <p:sldId id="332" r:id="rId10"/>
+    <p:sldId id="344" r:id="rId11"/>
+    <p:sldId id="345" r:id="rId12"/>
+    <p:sldId id="346" r:id="rId13"/>
+    <p:sldId id="342" r:id="rId14"/>
   </p:sldIdLst>
   <p:sldSz cx="9144000" cy="6858000" type="screen4x3"/>
   <p:notesSz cx="6797675" cy="9926638"/>
@@ -184,12 +183,20 @@
 </p:cmAuthorLst>
 </file>
 
+<file path=ppt/revisionInfo.xml><?xml version="1.0" encoding="utf-8"?>
+<p1510:revInfo xmlns:a="http://schemas.openxmlformats.org/drawingml/2006/main" xmlns:r="http://schemas.openxmlformats.org/officeDocument/2006/relationships" xmlns:p1510="http://schemas.microsoft.com/office/powerpoint/2015/10/main">
+  <p1510:revLst>
+    <p1510:client id="{D67BF06C-A145-49AA-840E-3A8517B58A33}" v="11" dt="2021-01-11T14:08:59.533"/>
+  </p1510:revLst>
+</p1510:revInfo>
+</file>
+
 <file path=ppt/changesInfos/changesInfo1.xml><?xml version="1.0" encoding="utf-8"?>
 <pc:chgInfo xmlns:a="http://schemas.openxmlformats.org/drawingml/2006/main" xmlns:r="http://schemas.openxmlformats.org/officeDocument/2006/relationships" xmlns:ac="http://schemas.microsoft.com/office/drawing/2013/main/command" xmlns:pc="http://schemas.microsoft.com/office/powerpoint/2013/main/command">
   <pc:docChgLst>
     <pc:chgData name="Sidney Bissoli" userId="27a8628a50772066" providerId="LiveId" clId="{D67BF06C-A145-49AA-840E-3A8517B58A33}"/>
-    <pc:docChg chg="custSel modSld">
-      <pc:chgData name="Sidney Bissoli" userId="27a8628a50772066" providerId="LiveId" clId="{D67BF06C-A145-49AA-840E-3A8517B58A33}" dt="2021-01-11T12:32:53.182" v="144" actId="6549"/>
+    <pc:docChg chg="custSel addSld delSld modSld">
+      <pc:chgData name="Sidney Bissoli" userId="27a8628a50772066" providerId="LiveId" clId="{D67BF06C-A145-49AA-840E-3A8517B58A33}" dt="2021-01-11T14:48:22.760" v="3696" actId="20577"/>
       <pc:docMkLst>
         <pc:docMk/>
       </pc:docMkLst>
@@ -225,13 +232,13 @@
         </pc:spChg>
       </pc:sldChg>
       <pc:sldChg chg="modSp mod">
-        <pc:chgData name="Sidney Bissoli" userId="27a8628a50772066" providerId="LiveId" clId="{D67BF06C-A145-49AA-840E-3A8517B58A33}" dt="2021-01-11T12:32:01.878" v="132" actId="6549"/>
+        <pc:chgData name="Sidney Bissoli" userId="27a8628a50772066" providerId="LiveId" clId="{D67BF06C-A145-49AA-840E-3A8517B58A33}" dt="2021-01-11T13:29:59.737" v="601"/>
         <pc:sldMkLst>
           <pc:docMk/>
           <pc:sldMk cId="1516932739" sldId="319"/>
         </pc:sldMkLst>
         <pc:spChg chg="mod">
-          <ac:chgData name="Sidney Bissoli" userId="27a8628a50772066" providerId="LiveId" clId="{D67BF06C-A145-49AA-840E-3A8517B58A33}" dt="2021-01-11T12:32:01.878" v="132" actId="6549"/>
+          <ac:chgData name="Sidney Bissoli" userId="27a8628a50772066" providerId="LiveId" clId="{D67BF06C-A145-49AA-840E-3A8517B58A33}" dt="2021-01-11T13:29:59.737" v="601"/>
           <ac:spMkLst>
             <pc:docMk/>
             <pc:sldMk cId="1516932739" sldId="319"/>
@@ -239,8 +246,8 @@
           </ac:spMkLst>
         </pc:spChg>
       </pc:sldChg>
-      <pc:sldChg chg="modSp mod">
-        <pc:chgData name="Sidney Bissoli" userId="27a8628a50772066" providerId="LiveId" clId="{D67BF06C-A145-49AA-840E-3A8517B58A33}" dt="2021-01-11T12:32:06.445" v="133" actId="6549"/>
+      <pc:sldChg chg="modSp del mod">
+        <pc:chgData name="Sidney Bissoli" userId="27a8628a50772066" providerId="LiveId" clId="{D67BF06C-A145-49AA-840E-3A8517B58A33}" dt="2021-01-11T13:38:46.396" v="1111" actId="47"/>
         <pc:sldMkLst>
           <pc:docMk/>
           <pc:sldMk cId="4063423063" sldId="326"/>
@@ -254,14 +261,14 @@
           </ac:spMkLst>
         </pc:spChg>
       </pc:sldChg>
-      <pc:sldChg chg="modSp mod">
-        <pc:chgData name="Sidney Bissoli" userId="27a8628a50772066" providerId="LiveId" clId="{D67BF06C-A145-49AA-840E-3A8517B58A33}" dt="2021-01-11T12:32:12.157" v="134" actId="6549"/>
+      <pc:sldChg chg="modSp del mod">
+        <pc:chgData name="Sidney Bissoli" userId="27a8628a50772066" providerId="LiveId" clId="{D67BF06C-A145-49AA-840E-3A8517B58A33}" dt="2021-01-11T13:40:47.859" v="1236" actId="47"/>
         <pc:sldMkLst>
           <pc:docMk/>
           <pc:sldMk cId="589608717" sldId="327"/>
         </pc:sldMkLst>
         <pc:spChg chg="mod">
-          <ac:chgData name="Sidney Bissoli" userId="27a8628a50772066" providerId="LiveId" clId="{D67BF06C-A145-49AA-840E-3A8517B58A33}" dt="2021-01-11T12:32:12.157" v="134" actId="6549"/>
+          <ac:chgData name="Sidney Bissoli" userId="27a8628a50772066" providerId="LiveId" clId="{D67BF06C-A145-49AA-840E-3A8517B58A33}" dt="2021-01-11T13:39:58.068" v="1224" actId="21"/>
           <ac:spMkLst>
             <pc:docMk/>
             <pc:sldMk cId="589608717" sldId="327"/>
@@ -270,19 +277,27 @@
         </pc:spChg>
       </pc:sldChg>
       <pc:sldChg chg="addSp delSp modSp mod">
-        <pc:chgData name="Sidney Bissoli" userId="27a8628a50772066" providerId="LiveId" clId="{D67BF06C-A145-49AA-840E-3A8517B58A33}" dt="2021-01-11T12:32:16.160" v="135" actId="478"/>
+        <pc:chgData name="Sidney Bissoli" userId="27a8628a50772066" providerId="LiveId" clId="{D67BF06C-A145-49AA-840E-3A8517B58A33}" dt="2021-01-11T14:07:37.511" v="1284" actId="14100"/>
         <pc:sldMkLst>
           <pc:docMk/>
           <pc:sldMk cId="918477911" sldId="328"/>
         </pc:sldMkLst>
-        <pc:spChg chg="add mod">
-          <ac:chgData name="Sidney Bissoli" userId="27a8628a50772066" providerId="LiveId" clId="{D67BF06C-A145-49AA-840E-3A8517B58A33}" dt="2021-01-11T12:32:16.160" v="135" actId="478"/>
+        <pc:spChg chg="add del mod">
+          <ac:chgData name="Sidney Bissoli" userId="27a8628a50772066" providerId="LiveId" clId="{D67BF06C-A145-49AA-840E-3A8517B58A33}" dt="2021-01-11T14:07:26.853" v="1278" actId="931"/>
           <ac:spMkLst>
             <pc:docMk/>
             <pc:sldMk cId="918477911" sldId="328"/>
             <ac:spMk id="4" creationId="{02741A0F-F630-4122-9EB6-77720EE1FDA3}"/>
           </ac:spMkLst>
         </pc:spChg>
+        <pc:picChg chg="add mod">
+          <ac:chgData name="Sidney Bissoli" userId="27a8628a50772066" providerId="LiveId" clId="{D67BF06C-A145-49AA-840E-3A8517B58A33}" dt="2021-01-11T14:07:37.511" v="1284" actId="14100"/>
+          <ac:picMkLst>
+            <pc:docMk/>
+            <pc:sldMk cId="918477911" sldId="328"/>
+            <ac:picMk id="5" creationId="{87203D03-888B-42D3-8279-A3E1AA623956}"/>
+          </ac:picMkLst>
+        </pc:picChg>
         <pc:picChg chg="del">
           <ac:chgData name="Sidney Bissoli" userId="27a8628a50772066" providerId="LiveId" clId="{D67BF06C-A145-49AA-840E-3A8517B58A33}" dt="2021-01-11T12:32:16.160" v="135" actId="478"/>
           <ac:picMkLst>
@@ -293,19 +308,27 @@
         </pc:picChg>
       </pc:sldChg>
       <pc:sldChg chg="addSp delSp modSp mod">
-        <pc:chgData name="Sidney Bissoli" userId="27a8628a50772066" providerId="LiveId" clId="{D67BF06C-A145-49AA-840E-3A8517B58A33}" dt="2021-01-11T12:32:23.178" v="137" actId="478"/>
+        <pc:chgData name="Sidney Bissoli" userId="27a8628a50772066" providerId="LiveId" clId="{D67BF06C-A145-49AA-840E-3A8517B58A33}" dt="2021-01-11T14:08:17.486" v="1298" actId="14100"/>
         <pc:sldMkLst>
           <pc:docMk/>
           <pc:sldMk cId="135217210" sldId="329"/>
         </pc:sldMkLst>
-        <pc:spChg chg="add mod">
-          <ac:chgData name="Sidney Bissoli" userId="27a8628a50772066" providerId="LiveId" clId="{D67BF06C-A145-49AA-840E-3A8517B58A33}" dt="2021-01-11T12:32:23.178" v="137" actId="478"/>
+        <pc:spChg chg="add del mod">
+          <ac:chgData name="Sidney Bissoli" userId="27a8628a50772066" providerId="LiveId" clId="{D67BF06C-A145-49AA-840E-3A8517B58A33}" dt="2021-01-11T14:08:06.542" v="1292" actId="931"/>
           <ac:spMkLst>
             <pc:docMk/>
             <pc:sldMk cId="135217210" sldId="329"/>
             <ac:spMk id="4" creationId="{6F58808B-E228-4543-9334-64A8C8867CCB}"/>
           </ac:spMkLst>
         </pc:spChg>
+        <pc:picChg chg="add mod">
+          <ac:chgData name="Sidney Bissoli" userId="27a8628a50772066" providerId="LiveId" clId="{D67BF06C-A145-49AA-840E-3A8517B58A33}" dt="2021-01-11T14:08:17.486" v="1298" actId="14100"/>
+          <ac:picMkLst>
+            <pc:docMk/>
+            <pc:sldMk cId="135217210" sldId="329"/>
+            <ac:picMk id="5" creationId="{8DD4CE08-95FE-4071-9B5E-B6E50C5EE4DE}"/>
+          </ac:picMkLst>
+        </pc:picChg>
         <pc:picChg chg="del">
           <ac:chgData name="Sidney Bissoli" userId="27a8628a50772066" providerId="LiveId" clId="{D67BF06C-A145-49AA-840E-3A8517B58A33}" dt="2021-01-11T12:32:23.178" v="137" actId="478"/>
           <ac:picMkLst>
@@ -316,13 +339,13 @@
         </pc:picChg>
       </pc:sldChg>
       <pc:sldChg chg="addSp delSp modSp mod">
-        <pc:chgData name="Sidney Bissoli" userId="27a8628a50772066" providerId="LiveId" clId="{D67BF06C-A145-49AA-840E-3A8517B58A33}" dt="2021-01-11T12:32:27.237" v="138" actId="478"/>
+        <pc:chgData name="Sidney Bissoli" userId="27a8628a50772066" providerId="LiveId" clId="{D67BF06C-A145-49AA-840E-3A8517B58A33}" dt="2021-01-11T14:08:51.621" v="1307" actId="14100"/>
         <pc:sldMkLst>
           <pc:docMk/>
           <pc:sldMk cId="1357532680" sldId="330"/>
         </pc:sldMkLst>
-        <pc:spChg chg="add mod">
-          <ac:chgData name="Sidney Bissoli" userId="27a8628a50772066" providerId="LiveId" clId="{D67BF06C-A145-49AA-840E-3A8517B58A33}" dt="2021-01-11T12:32:27.237" v="138" actId="478"/>
+        <pc:spChg chg="add del mod">
+          <ac:chgData name="Sidney Bissoli" userId="27a8628a50772066" providerId="LiveId" clId="{D67BF06C-A145-49AA-840E-3A8517B58A33}" dt="2021-01-11T14:08:34.180" v="1299" actId="931"/>
           <ac:spMkLst>
             <pc:docMk/>
             <pc:sldMk cId="1357532680" sldId="330"/>
@@ -337,21 +360,37 @@
             <ac:picMk id="5" creationId="{60363E5D-9A03-4701-8D56-2F62C7CCDF03}"/>
           </ac:picMkLst>
         </pc:picChg>
+        <pc:picChg chg="add mod">
+          <ac:chgData name="Sidney Bissoli" userId="27a8628a50772066" providerId="LiveId" clId="{D67BF06C-A145-49AA-840E-3A8517B58A33}" dt="2021-01-11T14:08:51.621" v="1307" actId="14100"/>
+          <ac:picMkLst>
+            <pc:docMk/>
+            <pc:sldMk cId="1357532680" sldId="330"/>
+            <ac:picMk id="5" creationId="{E374F4F0-3D8B-4D38-BD6A-96DD1CED9300}"/>
+          </ac:picMkLst>
+        </pc:picChg>
       </pc:sldChg>
       <pc:sldChg chg="addSp delSp modSp mod">
-        <pc:chgData name="Sidney Bissoli" userId="27a8628a50772066" providerId="LiveId" clId="{D67BF06C-A145-49AA-840E-3A8517B58A33}" dt="2021-01-11T12:32:29.823" v="139" actId="478"/>
+        <pc:chgData name="Sidney Bissoli" userId="27a8628a50772066" providerId="LiveId" clId="{D67BF06C-A145-49AA-840E-3A8517B58A33}" dt="2021-01-11T14:09:12.406" v="1315" actId="14100"/>
         <pc:sldMkLst>
           <pc:docMk/>
           <pc:sldMk cId="184916577" sldId="331"/>
         </pc:sldMkLst>
-        <pc:spChg chg="add mod">
-          <ac:chgData name="Sidney Bissoli" userId="27a8628a50772066" providerId="LiveId" clId="{D67BF06C-A145-49AA-840E-3A8517B58A33}" dt="2021-01-11T12:32:29.823" v="139" actId="478"/>
+        <pc:spChg chg="add del mod">
+          <ac:chgData name="Sidney Bissoli" userId="27a8628a50772066" providerId="LiveId" clId="{D67BF06C-A145-49AA-840E-3A8517B58A33}" dt="2021-01-11T14:08:59.533" v="1308" actId="931"/>
           <ac:spMkLst>
             <pc:docMk/>
             <pc:sldMk cId="184916577" sldId="331"/>
             <ac:spMk id="4" creationId="{78CDFEA9-F502-46B3-B122-954F170BC77E}"/>
           </ac:spMkLst>
         </pc:spChg>
+        <pc:picChg chg="add mod">
+          <ac:chgData name="Sidney Bissoli" userId="27a8628a50772066" providerId="LiveId" clId="{D67BF06C-A145-49AA-840E-3A8517B58A33}" dt="2021-01-11T14:09:12.406" v="1315" actId="14100"/>
+          <ac:picMkLst>
+            <pc:docMk/>
+            <pc:sldMk cId="184916577" sldId="331"/>
+            <ac:picMk id="5" creationId="{AC9E7025-AD7E-4A77-8B18-17F79CFDBF7D}"/>
+          </ac:picMkLst>
+        </pc:picChg>
         <pc:picChg chg="del">
           <ac:chgData name="Sidney Bissoli" userId="27a8628a50772066" providerId="LiveId" clId="{D67BF06C-A145-49AA-840E-3A8517B58A33}" dt="2021-01-11T12:32:29.823" v="139" actId="478"/>
           <ac:picMkLst>
@@ -362,13 +401,13 @@
         </pc:picChg>
       </pc:sldChg>
       <pc:sldChg chg="modSp mod">
-        <pc:chgData name="Sidney Bissoli" userId="27a8628a50772066" providerId="LiveId" clId="{D67BF06C-A145-49AA-840E-3A8517B58A33}" dt="2021-01-11T12:32:43.420" v="142" actId="6549"/>
+        <pc:chgData name="Sidney Bissoli" userId="27a8628a50772066" providerId="LiveId" clId="{D67BF06C-A145-49AA-840E-3A8517B58A33}" dt="2021-01-11T14:41:13.841" v="2804" actId="255"/>
         <pc:sldMkLst>
           <pc:docMk/>
           <pc:sldMk cId="1564769458" sldId="332"/>
         </pc:sldMkLst>
         <pc:spChg chg="mod">
-          <ac:chgData name="Sidney Bissoli" userId="27a8628a50772066" providerId="LiveId" clId="{D67BF06C-A145-49AA-840E-3A8517B58A33}" dt="2021-01-11T12:32:43.420" v="142" actId="6549"/>
+          <ac:chgData name="Sidney Bissoli" userId="27a8628a50772066" providerId="LiveId" clId="{D67BF06C-A145-49AA-840E-3A8517B58A33}" dt="2021-01-11T14:41:13.841" v="2804" actId="255"/>
           <ac:spMkLst>
             <pc:docMk/>
             <pc:sldMk cId="1564769458" sldId="332"/>
@@ -376,8 +415,8 @@
           </ac:spMkLst>
         </pc:spChg>
       </pc:sldChg>
-      <pc:sldChg chg="addSp delSp modSp mod">
-        <pc:chgData name="Sidney Bissoli" userId="27a8628a50772066" providerId="LiveId" clId="{D67BF06C-A145-49AA-840E-3A8517B58A33}" dt="2021-01-11T12:32:33.580" v="140" actId="478"/>
+      <pc:sldChg chg="addSp delSp modSp del mod">
+        <pc:chgData name="Sidney Bissoli" userId="27a8628a50772066" providerId="LiveId" clId="{D67BF06C-A145-49AA-840E-3A8517B58A33}" dt="2021-01-11T14:09:30.847" v="1316" actId="47"/>
         <pc:sldMkLst>
           <pc:docMk/>
           <pc:sldMk cId="1983557802" sldId="333"/>
@@ -399,23 +438,31 @@
           </ac:picMkLst>
         </pc:picChg>
       </pc:sldChg>
-      <pc:sldChg chg="modSp mod">
-        <pc:chgData name="Sidney Bissoli" userId="27a8628a50772066" providerId="LiveId" clId="{D67BF06C-A145-49AA-840E-3A8517B58A33}" dt="2021-01-11T12:32:19.978" v="136" actId="6549"/>
+      <pc:sldChg chg="addSp delSp modSp mod">
+        <pc:chgData name="Sidney Bissoli" userId="27a8628a50772066" providerId="LiveId" clId="{D67BF06C-A145-49AA-840E-3A8517B58A33}" dt="2021-01-11T14:07:59.046" v="1291" actId="14100"/>
         <pc:sldMkLst>
           <pc:docMk/>
           <pc:sldMk cId="4270417041" sldId="337"/>
         </pc:sldMkLst>
-        <pc:spChg chg="mod">
-          <ac:chgData name="Sidney Bissoli" userId="27a8628a50772066" providerId="LiveId" clId="{D67BF06C-A145-49AA-840E-3A8517B58A33}" dt="2021-01-11T12:32:19.978" v="136" actId="6549"/>
+        <pc:spChg chg="del mod">
+          <ac:chgData name="Sidney Bissoli" userId="27a8628a50772066" providerId="LiveId" clId="{D67BF06C-A145-49AA-840E-3A8517B58A33}" dt="2021-01-11T14:07:49.081" v="1285" actId="931"/>
           <ac:spMkLst>
             <pc:docMk/>
             <pc:sldMk cId="4270417041" sldId="337"/>
             <ac:spMk id="4" creationId="{DEF9F633-B334-411B-AF9A-626AE740FD33}"/>
           </ac:spMkLst>
         </pc:spChg>
+        <pc:picChg chg="add mod">
+          <ac:chgData name="Sidney Bissoli" userId="27a8628a50772066" providerId="LiveId" clId="{D67BF06C-A145-49AA-840E-3A8517B58A33}" dt="2021-01-11T14:07:59.046" v="1291" actId="14100"/>
+          <ac:picMkLst>
+            <pc:docMk/>
+            <pc:sldMk cId="4270417041" sldId="337"/>
+            <ac:picMk id="5" creationId="{AF6700D6-E16D-462C-A844-2069F785B253}"/>
+          </ac:picMkLst>
+        </pc:picChg>
       </pc:sldChg>
-      <pc:sldChg chg="modSp mod">
-        <pc:chgData name="Sidney Bissoli" userId="27a8628a50772066" providerId="LiveId" clId="{D67BF06C-A145-49AA-840E-3A8517B58A33}" dt="2021-01-11T12:32:37.832" v="141" actId="6549"/>
+      <pc:sldChg chg="modSp del mod">
+        <pc:chgData name="Sidney Bissoli" userId="27a8628a50772066" providerId="LiveId" clId="{D67BF06C-A145-49AA-840E-3A8517B58A33}" dt="2021-01-11T14:09:35.773" v="1317" actId="47"/>
         <pc:sldMkLst>
           <pc:docMk/>
           <pc:sldMk cId="2351964040" sldId="339"/>
@@ -429,8 +476,8 @@
           </ac:spMkLst>
         </pc:spChg>
       </pc:sldChg>
-      <pc:sldChg chg="modSp mod">
-        <pc:chgData name="Sidney Bissoli" userId="27a8628a50772066" providerId="LiveId" clId="{D67BF06C-A145-49AA-840E-3A8517B58A33}" dt="2021-01-11T12:32:48.883" v="143" actId="6549"/>
+      <pc:sldChg chg="modSp del mod">
+        <pc:chgData name="Sidney Bissoli" userId="27a8628a50772066" providerId="LiveId" clId="{D67BF06C-A145-49AA-840E-3A8517B58A33}" dt="2021-01-11T14:47:03.435" v="3481" actId="47"/>
         <pc:sldMkLst>
           <pc:docMk/>
           <pc:sldMk cId="3158407856" sldId="340"/>
@@ -445,16 +492,76 @@
         </pc:spChg>
       </pc:sldChg>
       <pc:sldChg chg="modSp mod">
-        <pc:chgData name="Sidney Bissoli" userId="27a8628a50772066" providerId="LiveId" clId="{D67BF06C-A145-49AA-840E-3A8517B58A33}" dt="2021-01-11T12:32:53.182" v="144" actId="6549"/>
+        <pc:chgData name="Sidney Bissoli" userId="27a8628a50772066" providerId="LiveId" clId="{D67BF06C-A145-49AA-840E-3A8517B58A33}" dt="2021-01-11T14:48:22.760" v="3696" actId="20577"/>
         <pc:sldMkLst>
           <pc:docMk/>
           <pc:sldMk cId="4104622279" sldId="342"/>
         </pc:sldMkLst>
         <pc:spChg chg="mod">
-          <ac:chgData name="Sidney Bissoli" userId="27a8628a50772066" providerId="LiveId" clId="{D67BF06C-A145-49AA-840E-3A8517B58A33}" dt="2021-01-11T12:32:53.182" v="144" actId="6549"/>
+          <ac:chgData name="Sidney Bissoli" userId="27a8628a50772066" providerId="LiveId" clId="{D67BF06C-A145-49AA-840E-3A8517B58A33}" dt="2021-01-11T14:48:22.760" v="3696" actId="20577"/>
           <ac:spMkLst>
             <pc:docMk/>
             <pc:sldMk cId="4104622279" sldId="342"/>
+            <ac:spMk id="7" creationId="{ED28FD32-D663-4270-8C53-62D08DF25B6A}"/>
+          </ac:spMkLst>
+        </pc:spChg>
+      </pc:sldChg>
+      <pc:sldChg chg="modSp add mod">
+        <pc:chgData name="Sidney Bissoli" userId="27a8628a50772066" providerId="LiveId" clId="{D67BF06C-A145-49AA-840E-3A8517B58A33}" dt="2021-01-11T13:46:11.212" v="1277" actId="255"/>
+        <pc:sldMkLst>
+          <pc:docMk/>
+          <pc:sldMk cId="3707156215" sldId="343"/>
+        </pc:sldMkLst>
+        <pc:spChg chg="mod">
+          <ac:chgData name="Sidney Bissoli" userId="27a8628a50772066" providerId="LiveId" clId="{D67BF06C-A145-49AA-840E-3A8517B58A33}" dt="2021-01-11T13:46:11.212" v="1277" actId="255"/>
+          <ac:spMkLst>
+            <pc:docMk/>
+            <pc:sldMk cId="3707156215" sldId="343"/>
+            <ac:spMk id="3" creationId="{764C755A-1352-4F5C-970A-791CA74885E3}"/>
+          </ac:spMkLst>
+        </pc:spChg>
+      </pc:sldChg>
+      <pc:sldChg chg="modSp add mod">
+        <pc:chgData name="Sidney Bissoli" userId="27a8628a50772066" providerId="LiveId" clId="{D67BF06C-A145-49AA-840E-3A8517B58A33}" dt="2021-01-11T14:32:48.903" v="2329" actId="20577"/>
+        <pc:sldMkLst>
+          <pc:docMk/>
+          <pc:sldMk cId="2164530319" sldId="344"/>
+        </pc:sldMkLst>
+        <pc:spChg chg="mod">
+          <ac:chgData name="Sidney Bissoli" userId="27a8628a50772066" providerId="LiveId" clId="{D67BF06C-A145-49AA-840E-3A8517B58A33}" dt="2021-01-11T14:32:48.903" v="2329" actId="20577"/>
+          <ac:spMkLst>
+            <pc:docMk/>
+            <pc:sldMk cId="2164530319" sldId="344"/>
+            <ac:spMk id="7" creationId="{ED28FD32-D663-4270-8C53-62D08DF25B6A}"/>
+          </ac:spMkLst>
+        </pc:spChg>
+      </pc:sldChg>
+      <pc:sldChg chg="modSp add mod">
+        <pc:chgData name="Sidney Bissoli" userId="27a8628a50772066" providerId="LiveId" clId="{D67BF06C-A145-49AA-840E-3A8517B58A33}" dt="2021-01-11T14:41:21.906" v="2805" actId="6549"/>
+        <pc:sldMkLst>
+          <pc:docMk/>
+          <pc:sldMk cId="3977100294" sldId="345"/>
+        </pc:sldMkLst>
+        <pc:spChg chg="mod">
+          <ac:chgData name="Sidney Bissoli" userId="27a8628a50772066" providerId="LiveId" clId="{D67BF06C-A145-49AA-840E-3A8517B58A33}" dt="2021-01-11T14:41:21.906" v="2805" actId="6549"/>
+          <ac:spMkLst>
+            <pc:docMk/>
+            <pc:sldMk cId="3977100294" sldId="345"/>
+            <ac:spMk id="7" creationId="{ED28FD32-D663-4270-8C53-62D08DF25B6A}"/>
+          </ac:spMkLst>
+        </pc:spChg>
+      </pc:sldChg>
+      <pc:sldChg chg="modSp add mod">
+        <pc:chgData name="Sidney Bissoli" userId="27a8628a50772066" providerId="LiveId" clId="{D67BF06C-A145-49AA-840E-3A8517B58A33}" dt="2021-01-11T14:46:18.663" v="3480" actId="255"/>
+        <pc:sldMkLst>
+          <pc:docMk/>
+          <pc:sldMk cId="1884833763" sldId="346"/>
+        </pc:sldMkLst>
+        <pc:spChg chg="mod">
+          <ac:chgData name="Sidney Bissoli" userId="27a8628a50772066" providerId="LiveId" clId="{D67BF06C-A145-49AA-840E-3A8517B58A33}" dt="2021-01-11T14:46:18.663" v="3480" actId="255"/>
+          <ac:spMkLst>
+            <pc:docMk/>
+            <pc:sldMk cId="1884833763" sldId="346"/>
             <ac:spMk id="7" creationId="{ED28FD32-D663-4270-8C53-62D08DF25B6A}"/>
           </ac:spMkLst>
         </pc:spChg>
@@ -2332,17 +2439,17 @@
             <a:pPr algn="ctr"/>
             <a:r>
               <a:rPr lang="pt-BR" sz="3200" b="1" dirty="0"/>
-              <a:t>RESULTADOS</a:t>
+              <a:t>DISCUSSÃO</a:t>
             </a:r>
           </a:p>
         </p:txBody>
       </p:sp>
       <p:sp>
         <p:nvSpPr>
-          <p:cNvPr id="4" name="Espaço Reservado para Conteúdo 3">
+          <p:cNvPr id="7" name="Espaço Reservado para Conteúdo 6">
             <a:extLst>
               <a:ext uri="{FF2B5EF4-FFF2-40B4-BE49-F238E27FC236}">
-                <a16:creationId xmlns:a16="http://schemas.microsoft.com/office/drawing/2014/main" id="{17772F9F-5209-453F-81AA-1840CE5ABE10}"/>
+                <a16:creationId xmlns:a16="http://schemas.microsoft.com/office/drawing/2014/main" id="{ED28FD32-D663-4270-8C53-62D08DF25B6A}"/>
               </a:ext>
             </a:extLst>
           </p:cNvPr>
@@ -2353,19 +2460,97 @@
             <p:ph idx="1"/>
           </p:nvPr>
         </p:nvSpPr>
-        <p:spPr/>
+        <p:spPr>
+          <a:xfrm>
+            <a:off x="0" y="620688"/>
+            <a:ext cx="9144000" cy="5688631"/>
+          </a:xfrm>
+        </p:spPr>
         <p:txBody>
-          <a:bodyPr/>
+          <a:bodyPr anchor="ctr"/>
           <a:lstStyle/>
           <a:p>
-            <a:endParaRPr lang="pt-BR"/>
+            <a:pPr marL="342900" lvl="0" indent="-342900">
+              <a:lnSpc>
+                <a:spcPct val="107000"/>
+              </a:lnSpc>
+              <a:spcAft>
+                <a:spcPts val="800"/>
+              </a:spcAft>
+              <a:buFont typeface="Wingdings" panose="05000000000000000000" pitchFamily="2" charset="2"/>
+              <a:buChar char=""/>
+              <a:tabLst>
+                <a:tab pos="457200" algn="l"/>
+              </a:tabLst>
+            </a:pPr>
+            <a:r>
+              <a:rPr lang="pt-BR" sz="2900" dirty="0"/>
+              <a:t>A cobertura ESF de 14,4% encontra-se muito abaixo dos valores preconizados pelo MS para municípios com população entre 100 e 500 mil hab. (60%)</a:t>
+            </a:r>
+          </a:p>
+          <a:p>
+            <a:pPr marL="342900" lvl="0" indent="-342900">
+              <a:lnSpc>
+                <a:spcPct val="107000"/>
+              </a:lnSpc>
+              <a:spcAft>
+                <a:spcPts val="800"/>
+              </a:spcAft>
+              <a:buFont typeface="Wingdings" panose="05000000000000000000" pitchFamily="2" charset="2"/>
+              <a:buChar char=""/>
+              <a:tabLst>
+                <a:tab pos="457200" algn="l"/>
+              </a:tabLst>
+            </a:pPr>
+            <a:r>
+              <a:rPr lang="pt-BR" sz="2900" dirty="0"/>
+              <a:t>Conclusão: problemas de acesso e efetividade do sistema de saúde local</a:t>
+            </a:r>
+          </a:p>
+          <a:p>
+            <a:pPr marL="342900" lvl="0" indent="-342900">
+              <a:lnSpc>
+                <a:spcPct val="107000"/>
+              </a:lnSpc>
+              <a:spcAft>
+                <a:spcPts val="800"/>
+              </a:spcAft>
+              <a:buFont typeface="Wingdings" panose="05000000000000000000" pitchFamily="2" charset="2"/>
+              <a:buChar char=""/>
+              <a:tabLst>
+                <a:tab pos="457200" algn="l"/>
+              </a:tabLst>
+            </a:pPr>
+            <a:r>
+              <a:rPr lang="pt-BR" sz="2900" dirty="0"/>
+              <a:t>Aumento significativo dos gastos totais com saúde, porém sem relação com diminuição de ICSAP.</a:t>
+            </a:r>
+          </a:p>
+          <a:p>
+            <a:pPr marL="342900" lvl="0" indent="-342900">
+              <a:lnSpc>
+                <a:spcPct val="107000"/>
+              </a:lnSpc>
+              <a:spcAft>
+                <a:spcPts val="800"/>
+              </a:spcAft>
+              <a:buFont typeface="Wingdings" panose="05000000000000000000" pitchFamily="2" charset="2"/>
+              <a:buChar char=""/>
+              <a:tabLst>
+                <a:tab pos="457200" algn="l"/>
+              </a:tabLst>
+            </a:pPr>
+            <a:r>
+              <a:rPr lang="pt-BR" sz="2900" dirty="0"/>
+              <a:t>Em dólar, gastos per capita abaixo da média brasileira e de países da América Latina</a:t>
+            </a:r>
           </a:p>
         </p:txBody>
       </p:sp>
     </p:spTree>
     <p:extLst>
       <p:ext uri="{BB962C8B-B14F-4D97-AF65-F5344CB8AC3E}">
-        <p14:creationId xmlns:p14="http://schemas.microsoft.com/office/powerpoint/2010/main" val="1983557802"/>
+        <p14:creationId xmlns:p14="http://schemas.microsoft.com/office/powerpoint/2010/main" val="2164530319"/>
       </p:ext>
     </p:extLst>
   </p:cSld>
@@ -2421,17 +2606,17 @@
             <a:pPr algn="ctr"/>
             <a:r>
               <a:rPr lang="pt-BR" sz="3200" b="1" dirty="0"/>
-              <a:t>RESULTADOS</a:t>
+              <a:t>DISCUSSÃO</a:t>
             </a:r>
           </a:p>
         </p:txBody>
       </p:sp>
       <p:sp>
         <p:nvSpPr>
-          <p:cNvPr id="4" name="Espaço Reservado para Conteúdo 3">
+          <p:cNvPr id="7" name="Espaço Reservado para Conteúdo 6">
             <a:extLst>
               <a:ext uri="{FF2B5EF4-FFF2-40B4-BE49-F238E27FC236}">
-                <a16:creationId xmlns:a16="http://schemas.microsoft.com/office/drawing/2014/main" id="{DEF9F633-B334-411B-AF9A-626AE740FD33}"/>
+                <a16:creationId xmlns:a16="http://schemas.microsoft.com/office/drawing/2014/main" id="{ED28FD32-D663-4270-8C53-62D08DF25B6A}"/>
               </a:ext>
             </a:extLst>
           </p:cNvPr>
@@ -2444,26 +2629,95 @@
         </p:nvSpPr>
         <p:spPr>
           <a:xfrm>
-            <a:off x="0" y="548680"/>
-            <a:ext cx="9144000" cy="5760639"/>
+            <a:off x="0" y="620688"/>
+            <a:ext cx="9144000" cy="5688631"/>
           </a:xfrm>
         </p:spPr>
         <p:txBody>
           <a:bodyPr anchor="ctr"/>
           <a:lstStyle/>
           <a:p>
-            <a:pPr>
+            <a:pPr marL="342900" lvl="0" indent="-342900">
+              <a:lnSpc>
+                <a:spcPct val="107000"/>
+              </a:lnSpc>
+              <a:spcAft>
+                <a:spcPts val="800"/>
+              </a:spcAft>
               <a:buFont typeface="Wingdings" panose="05000000000000000000" pitchFamily="2" charset="2"/>
-              <a:buChar char="ü"/>
+              <a:buChar char=""/>
+              <a:tabLst>
+                <a:tab pos="457200" algn="l"/>
+              </a:tabLst>
             </a:pPr>
-            <a:endParaRPr lang="pt-BR" dirty="0"/>
+            <a:r>
+              <a:rPr lang="pt-BR" sz="2900" dirty="0"/>
+              <a:t>Variação muito grande nos gastos com APS. Valores maiores em 2004 e 2005, após implantação do PROESF em 2003.</a:t>
+            </a:r>
+          </a:p>
+          <a:p>
+            <a:pPr marL="342900" lvl="0" indent="-342900">
+              <a:lnSpc>
+                <a:spcPct val="107000"/>
+              </a:lnSpc>
+              <a:spcAft>
+                <a:spcPts val="800"/>
+              </a:spcAft>
+              <a:buFont typeface="Wingdings" panose="05000000000000000000" pitchFamily="2" charset="2"/>
+              <a:buChar char=""/>
+              <a:tabLst>
+                <a:tab pos="457200" algn="l"/>
+              </a:tabLst>
+            </a:pPr>
+            <a:r>
+              <a:rPr lang="pt-BR" sz="2900" dirty="0"/>
+              <a:t>São Leopoldo/RS gastou um percentual inferior ao Brasil em todo o período analisado.</a:t>
+            </a:r>
+          </a:p>
+          <a:p>
+            <a:pPr marL="342900" lvl="0" indent="-342900">
+              <a:lnSpc>
+                <a:spcPct val="107000"/>
+              </a:lnSpc>
+              <a:spcAft>
+                <a:spcPts val="800"/>
+              </a:spcAft>
+              <a:buFont typeface="Wingdings" panose="05000000000000000000" pitchFamily="2" charset="2"/>
+              <a:buChar char=""/>
+              <a:tabLst>
+                <a:tab pos="457200" algn="l"/>
+              </a:tabLst>
+            </a:pPr>
+            <a:r>
+              <a:rPr lang="pt-BR" sz="2900" dirty="0"/>
+              <a:t>Em 1995, o MS gastou 5,4 vezes mais com atenção secundária e terciária, em comparação à primária.</a:t>
+            </a:r>
+          </a:p>
+          <a:p>
+            <a:pPr marL="342900" lvl="0" indent="-342900">
+              <a:lnSpc>
+                <a:spcPct val="107000"/>
+              </a:lnSpc>
+              <a:spcAft>
+                <a:spcPts val="800"/>
+              </a:spcAft>
+              <a:buFont typeface="Wingdings" panose="05000000000000000000" pitchFamily="2" charset="2"/>
+              <a:buChar char=""/>
+              <a:tabLst>
+                <a:tab pos="457200" algn="l"/>
+              </a:tabLst>
+            </a:pPr>
+            <a:r>
+              <a:rPr lang="pt-BR" sz="2900" dirty="0"/>
+              <a:t>Em 2013, os gastos federais com APS foram de 21%</a:t>
+            </a:r>
           </a:p>
         </p:txBody>
       </p:sp>
     </p:spTree>
     <p:extLst>
       <p:ext uri="{BB962C8B-B14F-4D97-AF65-F5344CB8AC3E}">
-        <p14:creationId xmlns:p14="http://schemas.microsoft.com/office/powerpoint/2010/main" val="2351964040"/>
+        <p14:creationId xmlns:p14="http://schemas.microsoft.com/office/powerpoint/2010/main" val="3977100294"/>
       </p:ext>
     </p:extLst>
   </p:cSld>
@@ -2563,14 +2817,36 @@
                 <a:tab pos="457200" algn="l"/>
               </a:tabLst>
             </a:pPr>
-            <a:endParaRPr lang="pt-BR" sz="2900" dirty="0"/>
+            <a:r>
+              <a:rPr lang="pt-BR" sz="2600" dirty="0"/>
+              <a:t>As IH dependem de uma série de fatores, tais como: morbidades; condições socioeconômicas; fatores individuais; determinantes estruturais externos. Dentre os últimos, destacam-se: disponibilidade de leitos; vinculação dos usuários aos serviços.</a:t>
+            </a:r>
+          </a:p>
+          <a:p>
+            <a:pPr marL="342900" lvl="0" indent="-342900">
+              <a:lnSpc>
+                <a:spcPct val="107000"/>
+              </a:lnSpc>
+              <a:spcAft>
+                <a:spcPts val="800"/>
+              </a:spcAft>
+              <a:buFont typeface="Wingdings" panose="05000000000000000000" pitchFamily="2" charset="2"/>
+              <a:buChar char=""/>
+              <a:tabLst>
+                <a:tab pos="457200" algn="l"/>
+              </a:tabLst>
+            </a:pPr>
+            <a:r>
+              <a:rPr lang="pt-BR" sz="2600" dirty="0"/>
+              <a:t>Dados de disponibilidades de leitos não são confiáveis, pois: 1) variam de acordo com as necessidades e arranjos do hospital; 2) São Leopoldo (como outros municípios) não apresenta mecanismo de regionalização formal, que vincule obrigatoriamente seus habitantes a determinada porta de entrada</a:t>
+            </a:r>
           </a:p>
         </p:txBody>
       </p:sp>
     </p:spTree>
     <p:extLst>
       <p:ext uri="{BB962C8B-B14F-4D97-AF65-F5344CB8AC3E}">
-        <p14:creationId xmlns:p14="http://schemas.microsoft.com/office/powerpoint/2010/main" val="1564769458"/>
+        <p14:creationId xmlns:p14="http://schemas.microsoft.com/office/powerpoint/2010/main" val="1884833763"/>
       </p:ext>
     </p:extLst>
   </p:cSld>
@@ -2626,7 +2902,7 @@
             <a:pPr algn="ctr"/>
             <a:r>
               <a:rPr lang="pt-BR" sz="3200" b="1" dirty="0"/>
-              <a:t>DISCUSSÃO</a:t>
+              <a:t>LIMITAÇÕES DO ESTUDO</a:t>
             </a:r>
           </a:p>
         </p:txBody>
@@ -2670,114 +2946,11 @@
                 <a:tab pos="457200" algn="l"/>
               </a:tabLst>
             </a:pPr>
-            <a:endParaRPr lang="pt-BR" sz="2400" dirty="0"/>
-          </a:p>
-          <a:p>
-            <a:pPr marL="0" lvl="0" indent="0">
-              <a:lnSpc>
-                <a:spcPct val="107000"/>
-              </a:lnSpc>
-              <a:spcAft>
-                <a:spcPts val="800"/>
-              </a:spcAft>
-              <a:buNone/>
-              <a:tabLst>
-                <a:tab pos="457200" algn="l"/>
-              </a:tabLst>
-            </a:pPr>
-            <a:endParaRPr lang="pt-BR" sz="2900" dirty="0"/>
-          </a:p>
-        </p:txBody>
-      </p:sp>
-    </p:spTree>
-    <p:extLst>
-      <p:ext uri="{BB962C8B-B14F-4D97-AF65-F5344CB8AC3E}">
-        <p14:creationId xmlns:p14="http://schemas.microsoft.com/office/powerpoint/2010/main" val="3158407856"/>
-      </p:ext>
-    </p:extLst>
-  </p:cSld>
-  <p:clrMapOvr>
-    <a:masterClrMapping/>
-  </p:clrMapOvr>
-</p:sld>
-</file>
-
-<file path=ppt/slides/slide14.xml><?xml version="1.0" encoding="utf-8"?>
-<p:sld xmlns:a="http://schemas.openxmlformats.org/drawingml/2006/main" xmlns:r="http://schemas.openxmlformats.org/officeDocument/2006/relationships" xmlns:p="http://schemas.openxmlformats.org/presentationml/2006/main">
-  <p:cSld>
-    <p:spTree>
-      <p:nvGrpSpPr>
-        <p:cNvPr id="1" name=""/>
-        <p:cNvGrpSpPr/>
-        <p:nvPr/>
-      </p:nvGrpSpPr>
-      <p:grpSpPr>
-        <a:xfrm>
-          <a:off x="0" y="0"/>
-          <a:ext cx="0" cy="0"/>
-          <a:chOff x="0" y="0"/>
-          <a:chExt cx="0" cy="0"/>
-        </a:xfrm>
-      </p:grpSpPr>
-      <p:sp>
-        <p:nvSpPr>
-          <p:cNvPr id="2" name="Título 1">
-            <a:extLst>
-              <a:ext uri="{FF2B5EF4-FFF2-40B4-BE49-F238E27FC236}">
-                <a16:creationId xmlns:a16="http://schemas.microsoft.com/office/drawing/2014/main" id="{812A2C0F-2AD8-4FF4-8C88-802A7661AFDB}"/>
-              </a:ext>
-            </a:extLst>
-          </p:cNvPr>
-          <p:cNvSpPr>
-            <a:spLocks noGrp="1"/>
-          </p:cNvSpPr>
-          <p:nvPr>
-            <p:ph type="title"/>
-          </p:nvPr>
-        </p:nvSpPr>
-        <p:spPr>
-          <a:xfrm>
-            <a:off x="0" y="0"/>
-            <a:ext cx="9144000" cy="548680"/>
-          </a:xfrm>
-        </p:spPr>
-        <p:txBody>
-          <a:bodyPr/>
-          <a:lstStyle/>
-          <a:p>
-            <a:pPr algn="ctr"/>
-            <a:r>
-              <a:rPr lang="pt-BR" sz="3200" b="1" dirty="0"/>
-              <a:t>LIMITAÇÕES DO ESTUDO</a:t>
-            </a:r>
-          </a:p>
-        </p:txBody>
-      </p:sp>
-      <p:sp>
-        <p:nvSpPr>
-          <p:cNvPr id="7" name="Espaço Reservado para Conteúdo 6">
-            <a:extLst>
-              <a:ext uri="{FF2B5EF4-FFF2-40B4-BE49-F238E27FC236}">
-                <a16:creationId xmlns:a16="http://schemas.microsoft.com/office/drawing/2014/main" id="{ED28FD32-D663-4270-8C53-62D08DF25B6A}"/>
-              </a:ext>
-            </a:extLst>
-          </p:cNvPr>
-          <p:cNvSpPr>
-            <a:spLocks noGrp="1"/>
-          </p:cNvSpPr>
-          <p:nvPr>
-            <p:ph idx="1"/>
-          </p:nvPr>
-        </p:nvSpPr>
-        <p:spPr>
-          <a:xfrm>
-            <a:off x="0" y="620688"/>
-            <a:ext cx="9144000" cy="5688631"/>
-          </a:xfrm>
-        </p:spPr>
-        <p:txBody>
-          <a:bodyPr anchor="ctr"/>
-          <a:lstStyle/>
+            <a:r>
+              <a:rPr lang="pt-BR" sz="2900" dirty="0"/>
+              <a:t>Em estudos ecológicos analisando tendências históricas, análises agregadas não controlam fatores de confusão</a:t>
+            </a:r>
+          </a:p>
           <a:p>
             <a:pPr marL="342900" lvl="0" indent="-342900">
               <a:lnSpc>
@@ -2792,7 +2965,10 @@
                 <a:tab pos="457200" algn="l"/>
               </a:tabLst>
             </a:pPr>
-            <a:endParaRPr lang="pt-BR" sz="2900" dirty="0"/>
+            <a:r>
+              <a:rPr lang="pt-BR" sz="2900" dirty="0"/>
+              <a:t>Qualidade das fontes de informação utilizadas: subnotificações; erros de classificação</a:t>
+            </a:r>
           </a:p>
         </p:txBody>
       </p:sp>
@@ -2890,7 +3066,98 @@
               <a:buFont typeface="Wingdings" panose="05000000000000000000" pitchFamily="2" charset="2"/>
               <a:buChar char="ü"/>
             </a:pPr>
-            <a:endParaRPr lang="pt-BR" sz="2800" dirty="0"/>
+            <a:r>
+              <a:rPr lang="pt-BR" sz="2800" b="1" dirty="0">
+                <a:effectLst>
+                  <a:outerShdw blurRad="38100" dist="38100" dir="2700000" algn="tl">
+                    <a:srgbClr val="000000">
+                      <a:alpha val="43137"/>
+                    </a:srgbClr>
+                  </a:outerShdw>
+                </a:effectLst>
+              </a:rPr>
+              <a:t>Objetivo</a:t>
+            </a:r>
+            <a:r>
+              <a:rPr lang="pt-BR" sz="2800" dirty="0"/>
+              <a:t>: analisar a tendência temporal de ICSAP, relacionando-a com gastos em saúde e ESF, em São Leopoldo/RS, de 2003 a 2012.</a:t>
+            </a:r>
+          </a:p>
+          <a:p>
+            <a:pPr>
+              <a:buFont typeface="Wingdings" panose="05000000000000000000" pitchFamily="2" charset="2"/>
+              <a:buChar char="ü"/>
+            </a:pPr>
+            <a:r>
+              <a:rPr lang="pt-BR" sz="2800" b="1" dirty="0">
+                <a:effectLst>
+                  <a:outerShdw blurRad="38100" dist="38100" dir="2700000" algn="tl">
+                    <a:srgbClr val="000000">
+                      <a:alpha val="43137"/>
+                    </a:srgbClr>
+                  </a:outerShdw>
+                </a:effectLst>
+              </a:rPr>
+              <a:t>Fonte</a:t>
+            </a:r>
+            <a:r>
+              <a:rPr lang="pt-BR" sz="2800" dirty="0"/>
+              <a:t>: SIH; DAB; Sistema de Informações sobre Orçamentos Públicos em Saúde; IBGE</a:t>
+            </a:r>
+          </a:p>
+          <a:p>
+            <a:pPr>
+              <a:buFont typeface="Wingdings" panose="05000000000000000000" pitchFamily="2" charset="2"/>
+              <a:buChar char="ü"/>
+            </a:pPr>
+            <a:r>
+              <a:rPr lang="pt-BR" sz="2800" dirty="0"/>
+              <a:t>Estudo ecológico</a:t>
+            </a:r>
+          </a:p>
+          <a:p>
+            <a:pPr>
+              <a:buFont typeface="Wingdings" panose="05000000000000000000" pitchFamily="2" charset="2"/>
+              <a:buChar char="ü"/>
+            </a:pPr>
+            <a:r>
+              <a:rPr lang="pt-BR" sz="2800" b="1" dirty="0">
+                <a:effectLst>
+                  <a:outerShdw blurRad="38100" dist="38100" dir="2700000" algn="tl">
+                    <a:srgbClr val="000000">
+                      <a:alpha val="43137"/>
+                    </a:srgbClr>
+                  </a:outerShdw>
+                </a:effectLst>
+              </a:rPr>
+              <a:t>SIH</a:t>
+            </a:r>
+            <a:r>
+              <a:rPr lang="pt-BR" sz="2800" dirty="0"/>
+              <a:t>: excluídas as causas obstétricas; população residente do município</a:t>
+            </a:r>
+          </a:p>
+          <a:p>
+            <a:pPr>
+              <a:buFont typeface="Wingdings" panose="05000000000000000000" pitchFamily="2" charset="2"/>
+              <a:buChar char="ü"/>
+            </a:pPr>
+            <a:r>
+              <a:rPr lang="pt-BR" sz="2800" b="1" dirty="0">
+                <a:effectLst>
+                  <a:outerShdw blurRad="38100" dist="38100" dir="2700000" algn="tl">
+                    <a:srgbClr val="000000">
+                      <a:alpha val="43137"/>
+                    </a:srgbClr>
+                  </a:outerShdw>
+                </a:effectLst>
+              </a:rPr>
+              <a:t>Gastos</a:t>
+            </a:r>
+            <a:r>
+              <a:rPr lang="pt-BR" sz="2800" dirty="0"/>
+              <a:t>: gastos per capita em saúde; % gastos AP em relação aos gastos totais em saúde; valores ajustados pelo IPCA</a:t>
+            </a:r>
           </a:p>
         </p:txBody>
       </p:sp>
@@ -2976,8 +3243,8 @@
         </p:nvSpPr>
         <p:spPr>
           <a:xfrm>
-            <a:off x="0" y="765174"/>
-            <a:ext cx="9144000" cy="5544145"/>
+            <a:off x="0" y="692696"/>
+            <a:ext cx="9144000" cy="5616623"/>
           </a:xfrm>
         </p:spPr>
         <p:txBody>
@@ -2988,51 +3255,121 @@
               <a:buFont typeface="Wingdings" panose="05000000000000000000" pitchFamily="2" charset="2"/>
               <a:buChar char="ü"/>
             </a:pPr>
-            <a:endParaRPr lang="pt-BR" sz="2800" b="1" dirty="0">
-              <a:effectLst>
-                <a:outerShdw blurRad="38100" dist="38100" dir="2700000" algn="tl">
-                  <a:srgbClr val="000000">
-                    <a:alpha val="43137"/>
-                  </a:srgbClr>
-                </a:outerShdw>
-              </a:effectLst>
-            </a:endParaRPr>
+            <a:r>
+              <a:rPr lang="pt-BR" sz="2600" b="1" dirty="0">
+                <a:effectLst>
+                  <a:outerShdw blurRad="38100" dist="38100" dir="2700000" algn="tl">
+                    <a:srgbClr val="000000">
+                      <a:alpha val="43137"/>
+                    </a:srgbClr>
+                  </a:outerShdw>
+                </a:effectLst>
+              </a:rPr>
+              <a:t>ICSAP: </a:t>
+            </a:r>
+            <a:r>
+              <a:rPr lang="pt-BR" sz="2600" dirty="0"/>
+              <a:t>coeficiente por 1 mil </a:t>
+            </a:r>
+            <a:r>
+              <a:rPr lang="pt-BR" sz="2600" dirty="0" err="1"/>
+              <a:t>hab</a:t>
+            </a:r>
+            <a:endParaRPr lang="pt-BR" sz="2600" dirty="0"/>
           </a:p>
           <a:p>
             <a:pPr>
               <a:buFont typeface="Wingdings" panose="05000000000000000000" pitchFamily="2" charset="2"/>
               <a:buChar char="ü"/>
             </a:pPr>
-            <a:endParaRPr lang="pt-BR" sz="2800" b="1" dirty="0">
-              <a:effectLst>
-                <a:outerShdw blurRad="38100" dist="38100" dir="2700000" algn="tl">
-                  <a:srgbClr val="000000">
-                    <a:alpha val="43137"/>
-                  </a:srgbClr>
-                </a:outerShdw>
-              </a:effectLst>
-            </a:endParaRPr>
+            <a:r>
+              <a:rPr lang="pt-BR" sz="2600" b="1" dirty="0"/>
+              <a:t>Internações por todas as causas (exceto obstétricas) (ITC)</a:t>
+            </a:r>
+            <a:r>
+              <a:rPr lang="pt-BR" sz="2600" dirty="0"/>
+              <a:t>: coeficiente por 1 mil </a:t>
+            </a:r>
+            <a:r>
+              <a:rPr lang="pt-BR" sz="2600" dirty="0" err="1"/>
+              <a:t>hab</a:t>
+            </a:r>
+            <a:endParaRPr lang="pt-BR" sz="2600" dirty="0"/>
           </a:p>
           <a:p>
             <a:pPr>
               <a:buFont typeface="Wingdings" panose="05000000000000000000" pitchFamily="2" charset="2"/>
               <a:buChar char="ü"/>
             </a:pPr>
-            <a:endParaRPr lang="pt-BR" sz="2800" dirty="0"/>
+            <a:r>
+              <a:rPr lang="pt-BR" sz="2600" b="1" dirty="0">
+                <a:effectLst>
+                  <a:outerShdw blurRad="38100" dist="38100" dir="2700000" algn="tl">
+                    <a:srgbClr val="000000">
+                      <a:alpha val="43137"/>
+                    </a:srgbClr>
+                  </a:outerShdw>
+                </a:effectLst>
+              </a:rPr>
+              <a:t>Regressão de Poisson</a:t>
+            </a:r>
+            <a:r>
+              <a:rPr lang="pt-BR" sz="2600" dirty="0"/>
+              <a:t>: VI = ano; VD = coeficiente de ICSAP; coeficiente de ITC; gastos totais com saúde; gastos com APS; gastos per capita; cobertura de ESF</a:t>
+            </a:r>
           </a:p>
           <a:p>
             <a:pPr>
               <a:buFont typeface="Wingdings" panose="05000000000000000000" pitchFamily="2" charset="2"/>
               <a:buChar char="ü"/>
             </a:pPr>
-            <a:endParaRPr lang="pt-BR" sz="2800" dirty="0"/>
+            <a:r>
+              <a:rPr lang="pt-BR" sz="2600" dirty="0"/>
+              <a:t>Testada a </a:t>
+            </a:r>
+            <a:r>
+              <a:rPr lang="pt-BR" sz="2600" dirty="0" err="1"/>
+              <a:t>sobredispersão</a:t>
+            </a:r>
+            <a:r>
+              <a:rPr lang="pt-BR" sz="2600" dirty="0"/>
+              <a:t> dos dados (comando </a:t>
+            </a:r>
+            <a:r>
+              <a:rPr lang="pt-BR" sz="2600" dirty="0" err="1"/>
+              <a:t>poisgof</a:t>
+            </a:r>
+            <a:r>
+              <a:rPr lang="pt-BR" sz="2600" dirty="0"/>
+              <a:t>)</a:t>
+            </a:r>
+          </a:p>
+          <a:p>
+            <a:pPr>
+              <a:buFont typeface="Wingdings" panose="05000000000000000000" pitchFamily="2" charset="2"/>
+              <a:buChar char="ü"/>
+            </a:pPr>
+            <a:r>
+              <a:rPr lang="pt-BR" sz="2600" dirty="0"/>
+              <a:t>Se resultado significativo, regressão binomial negativa</a:t>
+            </a:r>
+          </a:p>
+          <a:p>
+            <a:pPr>
+              <a:buFont typeface="Wingdings" panose="05000000000000000000" pitchFamily="2" charset="2"/>
+              <a:buChar char="ü"/>
+            </a:pPr>
+            <a:r>
+              <a:rPr lang="pt-BR" sz="2600" dirty="0"/>
+              <a:t>Correlação de Spearman ICSAP x (gastos totais com saúde + gastos AP + gastos per capita em saúde + cobertura ESF</a:t>
+            </a:r>
           </a:p>
         </p:txBody>
       </p:sp>
     </p:spTree>
     <p:extLst>
       <p:ext uri="{BB962C8B-B14F-4D97-AF65-F5344CB8AC3E}">
-        <p14:creationId xmlns:p14="http://schemas.microsoft.com/office/powerpoint/2010/main" val="4063423063"/>
+        <p14:creationId xmlns:p14="http://schemas.microsoft.com/office/powerpoint/2010/main" val="3707156215"/>
       </p:ext>
     </p:extLst>
   </p:cSld>
@@ -3088,49 +3425,50 @@
             <a:pPr algn="ctr"/>
             <a:r>
               <a:rPr lang="pt-BR" sz="3200" b="1" dirty="0"/>
-              <a:t>METODOLOGIA</a:t>
+              <a:t>RESULTADOS</a:t>
             </a:r>
           </a:p>
         </p:txBody>
       </p:sp>
-      <p:sp>
-        <p:nvSpPr>
-          <p:cNvPr id="3" name="Espaço Reservado para Conteúdo 2">
+      <p:pic>
+        <p:nvPicPr>
+          <p:cNvPr id="5" name="Espaço Reservado para Conteúdo 4" descr="Tabela&#10;&#10;Descrição gerada automaticamente">
             <a:extLst>
               <a:ext uri="{FF2B5EF4-FFF2-40B4-BE49-F238E27FC236}">
-                <a16:creationId xmlns:a16="http://schemas.microsoft.com/office/drawing/2014/main" id="{764C755A-1352-4F5C-970A-791CA74885E3}"/>
+                <a16:creationId xmlns:a16="http://schemas.microsoft.com/office/drawing/2014/main" id="{87203D03-888B-42D3-8279-A3E1AA623956}"/>
               </a:ext>
             </a:extLst>
           </p:cNvPr>
-          <p:cNvSpPr>
-            <a:spLocks noGrp="1"/>
-          </p:cNvSpPr>
+          <p:cNvPicPr>
+            <a:picLocks noGrp="1" noChangeAspect="1"/>
+          </p:cNvPicPr>
           <p:nvPr>
             <p:ph idx="1"/>
           </p:nvPr>
-        </p:nvSpPr>
+        </p:nvPicPr>
+        <p:blipFill>
+          <a:blip r:embed="rId2">
+            <a:extLst>
+              <a:ext uri="{28A0092B-C50C-407E-A947-70E740481C1C}">
+                <a14:useLocalDpi xmlns:a14="http://schemas.microsoft.com/office/drawing/2010/main" val="0"/>
+              </a:ext>
+            </a:extLst>
+          </a:blip>
+          <a:stretch>
+            <a:fillRect/>
+          </a:stretch>
+        </p:blipFill>
         <p:spPr>
           <a:xfrm>
-            <a:off x="0" y="765174"/>
-            <a:ext cx="9144000" cy="5544145"/>
+            <a:off x="0" y="692696"/>
+            <a:ext cx="9144000" cy="5544615"/>
           </a:xfrm>
         </p:spPr>
-        <p:txBody>
-          <a:bodyPr anchor="ctr"/>
-          <a:lstStyle/>
-          <a:p>
-            <a:pPr>
-              <a:buFont typeface="Wingdings" panose="05000000000000000000" pitchFamily="2" charset="2"/>
-              <a:buChar char="ü"/>
-            </a:pPr>
-            <a:endParaRPr lang="pt-BR" dirty="0"/>
-          </a:p>
-        </p:txBody>
-      </p:sp>
+      </p:pic>
     </p:spTree>
     <p:extLst>
       <p:ext uri="{BB962C8B-B14F-4D97-AF65-F5344CB8AC3E}">
-        <p14:creationId xmlns:p14="http://schemas.microsoft.com/office/powerpoint/2010/main" val="589608717"/>
+        <p14:creationId xmlns:p14="http://schemas.microsoft.com/office/powerpoint/2010/main" val="918477911"/>
       </p:ext>
     </p:extLst>
   </p:cSld>
@@ -3191,35 +3529,45 @@
           </a:p>
         </p:txBody>
       </p:sp>
-      <p:sp>
-        <p:nvSpPr>
-          <p:cNvPr id="4" name="Espaço Reservado para Conteúdo 3">
+      <p:pic>
+        <p:nvPicPr>
+          <p:cNvPr id="5" name="Espaço Reservado para Conteúdo 4" descr="Gráfico, Gráfico de linhas&#10;&#10;Descrição gerada automaticamente">
             <a:extLst>
               <a:ext uri="{FF2B5EF4-FFF2-40B4-BE49-F238E27FC236}">
-                <a16:creationId xmlns:a16="http://schemas.microsoft.com/office/drawing/2014/main" id="{02741A0F-F630-4122-9EB6-77720EE1FDA3}"/>
+                <a16:creationId xmlns:a16="http://schemas.microsoft.com/office/drawing/2014/main" id="{AF6700D6-E16D-462C-A844-2069F785B253}"/>
               </a:ext>
             </a:extLst>
           </p:cNvPr>
-          <p:cNvSpPr>
-            <a:spLocks noGrp="1"/>
-          </p:cNvSpPr>
+          <p:cNvPicPr>
+            <a:picLocks noGrp="1" noChangeAspect="1"/>
+          </p:cNvPicPr>
           <p:nvPr>
             <p:ph idx="1"/>
           </p:nvPr>
-        </p:nvSpPr>
-        <p:spPr/>
-        <p:txBody>
-          <a:bodyPr/>
-          <a:lstStyle/>
-          <a:p>
-            <a:endParaRPr lang="pt-BR"/>
-          </a:p>
-        </p:txBody>
-      </p:sp>
+        </p:nvPicPr>
+        <p:blipFill>
+          <a:blip r:embed="rId2">
+            <a:extLst>
+              <a:ext uri="{28A0092B-C50C-407E-A947-70E740481C1C}">
+                <a14:useLocalDpi xmlns:a14="http://schemas.microsoft.com/office/drawing/2010/main" val="0"/>
+              </a:ext>
+            </a:extLst>
+          </a:blip>
+          <a:stretch>
+            <a:fillRect/>
+          </a:stretch>
+        </p:blipFill>
+        <p:spPr>
+          <a:xfrm>
+            <a:off x="0" y="548680"/>
+            <a:ext cx="9144000" cy="5544616"/>
+          </a:xfrm>
+        </p:spPr>
+      </p:pic>
     </p:spTree>
     <p:extLst>
       <p:ext uri="{BB962C8B-B14F-4D97-AF65-F5344CB8AC3E}">
-        <p14:creationId xmlns:p14="http://schemas.microsoft.com/office/powerpoint/2010/main" val="918477911"/>
+        <p14:creationId xmlns:p14="http://schemas.microsoft.com/office/powerpoint/2010/main" val="4270417041"/>
       </p:ext>
     </p:extLst>
   </p:cSld>
@@ -3280,44 +3628,45 @@
           </a:p>
         </p:txBody>
       </p:sp>
-      <p:sp>
-        <p:nvSpPr>
-          <p:cNvPr id="4" name="Espaço Reservado para Conteúdo 3">
+      <p:pic>
+        <p:nvPicPr>
+          <p:cNvPr id="5" name="Espaço Reservado para Conteúdo 4" descr="Tabela&#10;&#10;Descrição gerada automaticamente">
             <a:extLst>
               <a:ext uri="{FF2B5EF4-FFF2-40B4-BE49-F238E27FC236}">
-                <a16:creationId xmlns:a16="http://schemas.microsoft.com/office/drawing/2014/main" id="{DEF9F633-B334-411B-AF9A-626AE740FD33}"/>
+                <a16:creationId xmlns:a16="http://schemas.microsoft.com/office/drawing/2014/main" id="{8DD4CE08-95FE-4071-9B5E-B6E50C5EE4DE}"/>
               </a:ext>
             </a:extLst>
           </p:cNvPr>
-          <p:cNvSpPr>
-            <a:spLocks noGrp="1"/>
-          </p:cNvSpPr>
+          <p:cNvPicPr>
+            <a:picLocks noGrp="1" noChangeAspect="1"/>
+          </p:cNvPicPr>
           <p:nvPr>
             <p:ph idx="1"/>
           </p:nvPr>
-        </p:nvSpPr>
+        </p:nvPicPr>
+        <p:blipFill>
+          <a:blip r:embed="rId2">
+            <a:extLst>
+              <a:ext uri="{28A0092B-C50C-407E-A947-70E740481C1C}">
+                <a14:useLocalDpi xmlns:a14="http://schemas.microsoft.com/office/drawing/2010/main" val="0"/>
+              </a:ext>
+            </a:extLst>
+          </a:blip>
+          <a:stretch>
+            <a:fillRect/>
+          </a:stretch>
+        </p:blipFill>
         <p:spPr>
           <a:xfrm>
-            <a:off x="0" y="548680"/>
-            <a:ext cx="9144000" cy="5760639"/>
+            <a:off x="0" y="692696"/>
+            <a:ext cx="9144000" cy="5472607"/>
           </a:xfrm>
         </p:spPr>
-        <p:txBody>
-          <a:bodyPr anchor="ctr"/>
-          <a:lstStyle/>
-          <a:p>
-            <a:pPr>
-              <a:buFont typeface="Wingdings" panose="05000000000000000000" pitchFamily="2" charset="2"/>
-              <a:buChar char="ü"/>
-            </a:pPr>
-            <a:endParaRPr lang="pt-BR" dirty="0"/>
-          </a:p>
-        </p:txBody>
-      </p:sp>
+      </p:pic>
     </p:spTree>
     <p:extLst>
       <p:ext uri="{BB962C8B-B14F-4D97-AF65-F5344CB8AC3E}">
-        <p14:creationId xmlns:p14="http://schemas.microsoft.com/office/powerpoint/2010/main" val="4270417041"/>
+        <p14:creationId xmlns:p14="http://schemas.microsoft.com/office/powerpoint/2010/main" val="135217210"/>
       </p:ext>
     </p:extLst>
   </p:cSld>
@@ -3378,35 +3727,45 @@
           </a:p>
         </p:txBody>
       </p:sp>
-      <p:sp>
-        <p:nvSpPr>
-          <p:cNvPr id="4" name="Espaço Reservado para Conteúdo 3">
+      <p:pic>
+        <p:nvPicPr>
+          <p:cNvPr id="5" name="Espaço Reservado para Conteúdo 4" descr="Tabela&#10;&#10;Descrição gerada automaticamente">
             <a:extLst>
               <a:ext uri="{FF2B5EF4-FFF2-40B4-BE49-F238E27FC236}">
-                <a16:creationId xmlns:a16="http://schemas.microsoft.com/office/drawing/2014/main" id="{6F58808B-E228-4543-9334-64A8C8867CCB}"/>
+                <a16:creationId xmlns:a16="http://schemas.microsoft.com/office/drawing/2014/main" id="{E374F4F0-3D8B-4D38-BD6A-96DD1CED9300}"/>
               </a:ext>
             </a:extLst>
           </p:cNvPr>
-          <p:cNvSpPr>
-            <a:spLocks noGrp="1"/>
-          </p:cNvSpPr>
+          <p:cNvPicPr>
+            <a:picLocks noGrp="1" noChangeAspect="1"/>
+          </p:cNvPicPr>
           <p:nvPr>
             <p:ph idx="1"/>
           </p:nvPr>
-        </p:nvSpPr>
-        <p:spPr/>
-        <p:txBody>
-          <a:bodyPr/>
-          <a:lstStyle/>
-          <a:p>
-            <a:endParaRPr lang="pt-BR"/>
-          </a:p>
-        </p:txBody>
-      </p:sp>
+        </p:nvPicPr>
+        <p:blipFill>
+          <a:blip r:embed="rId2">
+            <a:extLst>
+              <a:ext uri="{28A0092B-C50C-407E-A947-70E740481C1C}">
+                <a14:useLocalDpi xmlns:a14="http://schemas.microsoft.com/office/drawing/2010/main" val="0"/>
+              </a:ext>
+            </a:extLst>
+          </a:blip>
+          <a:stretch>
+            <a:fillRect/>
+          </a:stretch>
+        </p:blipFill>
+        <p:spPr>
+          <a:xfrm>
+            <a:off x="0" y="692696"/>
+            <a:ext cx="9144000" cy="5616624"/>
+          </a:xfrm>
+        </p:spPr>
+      </p:pic>
     </p:spTree>
     <p:extLst>
       <p:ext uri="{BB962C8B-B14F-4D97-AF65-F5344CB8AC3E}">
-        <p14:creationId xmlns:p14="http://schemas.microsoft.com/office/powerpoint/2010/main" val="135217210"/>
+        <p14:creationId xmlns:p14="http://schemas.microsoft.com/office/powerpoint/2010/main" val="1357532680"/>
       </p:ext>
     </p:extLst>
   </p:cSld>
@@ -3467,35 +3826,45 @@
           </a:p>
         </p:txBody>
       </p:sp>
-      <p:sp>
-        <p:nvSpPr>
-          <p:cNvPr id="4" name="Espaço Reservado para Conteúdo 3">
+      <p:pic>
+        <p:nvPicPr>
+          <p:cNvPr id="5" name="Espaço Reservado para Conteúdo 4" descr="Tabela&#10;&#10;Descrição gerada automaticamente">
             <a:extLst>
               <a:ext uri="{FF2B5EF4-FFF2-40B4-BE49-F238E27FC236}">
-                <a16:creationId xmlns:a16="http://schemas.microsoft.com/office/drawing/2014/main" id="{B34AF976-D702-4AF4-BBD2-95ABC7971D30}"/>
+                <a16:creationId xmlns:a16="http://schemas.microsoft.com/office/drawing/2014/main" id="{AC9E7025-AD7E-4A77-8B18-17F79CFDBF7D}"/>
               </a:ext>
             </a:extLst>
           </p:cNvPr>
-          <p:cNvSpPr>
-            <a:spLocks noGrp="1"/>
-          </p:cNvSpPr>
+          <p:cNvPicPr>
+            <a:picLocks noGrp="1" noChangeAspect="1"/>
+          </p:cNvPicPr>
           <p:nvPr>
             <p:ph idx="1"/>
           </p:nvPr>
-        </p:nvSpPr>
-        <p:spPr/>
-        <p:txBody>
-          <a:bodyPr/>
-          <a:lstStyle/>
-          <a:p>
-            <a:endParaRPr lang="pt-BR"/>
-          </a:p>
-        </p:txBody>
-      </p:sp>
+        </p:nvPicPr>
+        <p:blipFill>
+          <a:blip r:embed="rId2">
+            <a:extLst>
+              <a:ext uri="{28A0092B-C50C-407E-A947-70E740481C1C}">
+                <a14:useLocalDpi xmlns:a14="http://schemas.microsoft.com/office/drawing/2010/main" val="0"/>
+              </a:ext>
+            </a:extLst>
+          </a:blip>
+          <a:stretch>
+            <a:fillRect/>
+          </a:stretch>
+        </p:blipFill>
+        <p:spPr>
+          <a:xfrm>
+            <a:off x="0" y="620688"/>
+            <a:ext cx="9144000" cy="5688631"/>
+          </a:xfrm>
+        </p:spPr>
+      </p:pic>
     </p:spTree>
     <p:extLst>
       <p:ext uri="{BB962C8B-B14F-4D97-AF65-F5344CB8AC3E}">
-        <p14:creationId xmlns:p14="http://schemas.microsoft.com/office/powerpoint/2010/main" val="1357532680"/>
+        <p14:creationId xmlns:p14="http://schemas.microsoft.com/office/powerpoint/2010/main" val="184916577"/>
       </p:ext>
     </p:extLst>
   </p:cSld>
@@ -3551,17 +3920,17 @@
             <a:pPr algn="ctr"/>
             <a:r>
               <a:rPr lang="pt-BR" sz="3200" b="1" dirty="0"/>
-              <a:t>RESULTADOS</a:t>
+              <a:t>DISCUSSÃO</a:t>
             </a:r>
           </a:p>
         </p:txBody>
       </p:sp>
       <p:sp>
         <p:nvSpPr>
-          <p:cNvPr id="4" name="Espaço Reservado para Conteúdo 3">
+          <p:cNvPr id="7" name="Espaço Reservado para Conteúdo 6">
             <a:extLst>
               <a:ext uri="{FF2B5EF4-FFF2-40B4-BE49-F238E27FC236}">
-                <a16:creationId xmlns:a16="http://schemas.microsoft.com/office/drawing/2014/main" id="{78CDFEA9-F502-46B3-B122-954F170BC77E}"/>
+                <a16:creationId xmlns:a16="http://schemas.microsoft.com/office/drawing/2014/main" id="{ED28FD32-D663-4270-8C53-62D08DF25B6A}"/>
               </a:ext>
             </a:extLst>
           </p:cNvPr>
@@ -3572,19 +3941,78 @@
             <p:ph idx="1"/>
           </p:nvPr>
         </p:nvSpPr>
-        <p:spPr/>
+        <p:spPr>
+          <a:xfrm>
+            <a:off x="0" y="620688"/>
+            <a:ext cx="9144000" cy="5688631"/>
+          </a:xfrm>
+        </p:spPr>
         <p:txBody>
-          <a:bodyPr/>
+          <a:bodyPr anchor="ctr"/>
           <a:lstStyle/>
           <a:p>
-            <a:endParaRPr lang="pt-BR"/>
+            <a:pPr marL="342900" lvl="0" indent="-342900">
+              <a:lnSpc>
+                <a:spcPct val="107000"/>
+              </a:lnSpc>
+              <a:spcAft>
+                <a:spcPts val="800"/>
+              </a:spcAft>
+              <a:buFont typeface="Wingdings" panose="05000000000000000000" pitchFamily="2" charset="2"/>
+              <a:buChar char=""/>
+              <a:tabLst>
+                <a:tab pos="457200" algn="l"/>
+              </a:tabLst>
+            </a:pPr>
+            <a:r>
+              <a:rPr lang="pt-BR" sz="2600" dirty="0"/>
+              <a:t>O presente estudo não encontrou tendência de: 1) diminuição nos coeficientes de ICSAP; 2) associação entre diminuição de ICSAP com gastos totais em saúde e com APS, com gasto per capita e com cobertura populacional de ESF</a:t>
+            </a:r>
+          </a:p>
+          <a:p>
+            <a:pPr marL="342900" lvl="0" indent="-342900">
+              <a:lnSpc>
+                <a:spcPct val="107000"/>
+              </a:lnSpc>
+              <a:spcAft>
+                <a:spcPts val="800"/>
+              </a:spcAft>
+              <a:buFont typeface="Wingdings" panose="05000000000000000000" pitchFamily="2" charset="2"/>
+              <a:buChar char=""/>
+              <a:tabLst>
+                <a:tab pos="457200" algn="l"/>
+              </a:tabLst>
+            </a:pPr>
+            <a:r>
+              <a:rPr lang="pt-BR" sz="2600" dirty="0"/>
+              <a:t>O ICSAP/ITC (%) aumentou 6,7%, ou seja, a diminuição das ICSAP foi menor que a diminuição das ITC</a:t>
+            </a:r>
+          </a:p>
+          <a:p>
+            <a:pPr marL="342900" lvl="0" indent="-342900">
+              <a:lnSpc>
+                <a:spcPct val="107000"/>
+              </a:lnSpc>
+              <a:spcAft>
+                <a:spcPts val="800"/>
+              </a:spcAft>
+              <a:buFont typeface="Wingdings" panose="05000000000000000000" pitchFamily="2" charset="2"/>
+              <a:buChar char=""/>
+              <a:tabLst>
+                <a:tab pos="457200" algn="l"/>
+              </a:tabLst>
+            </a:pPr>
+            <a:r>
+              <a:rPr lang="pt-BR" sz="2600" dirty="0"/>
+              <a:t>Enquanto os estudos em outras localidades brasileiras apresentaram tendência de queda das ICSAP, São Leopoldo/RS apresentou resultados negativos, não acompanhando a tendência</a:t>
+            </a:r>
           </a:p>
         </p:txBody>
       </p:sp>
     </p:spTree>
     <p:extLst>
       <p:ext uri="{BB962C8B-B14F-4D97-AF65-F5344CB8AC3E}">
-        <p14:creationId xmlns:p14="http://schemas.microsoft.com/office/powerpoint/2010/main" val="184916577"/>
+        <p14:creationId xmlns:p14="http://schemas.microsoft.com/office/powerpoint/2010/main" val="1564769458"/>
       </p:ext>
     </p:extLst>
   </p:cSld>
